--- a/Abschlusspräsentation TBD.pptx
+++ b/Abschlusspräsentation TBD.pptx
@@ -228,7 +228,7 @@
           <a:p>
             <a:fld id="{D83D3004-9B17-4185-8785-B3893F994A7E}" type="datetimeFigureOut">
               <a:rPr lang="de-AT" smtClean="0"/>
-              <a:t>11.12.2014</a:t>
+              <a:t>12.12.2014</a:t>
             </a:fld>
             <a:endParaRPr lang="de-AT"/>
           </a:p>
@@ -626,47 +626,104 @@
           <a:p>
             <a:r>
               <a:rPr lang="de-AT" dirty="0" smtClean="0"/>
-              <a:t>Alle Eigenschaften</a:t>
-            </a:r>
-            <a:r>
-              <a:rPr lang="de-AT" baseline="0" dirty="0" smtClean="0"/>
-              <a:t> Gleich </a:t>
-            </a:r>
-            <a:r>
-              <a:rPr lang="de-AT" baseline="0" dirty="0" smtClean="0">
+              <a:t>Knoteneigenschaften</a:t>
+            </a:r>
+          </a:p>
+          <a:p>
+            <a:pPr lvl="1"/>
+            <a:r>
+              <a:rPr lang="de-AT" dirty="0" smtClean="0"/>
+              <a:t>Eindeutige Knoten ID</a:t>
+            </a:r>
+          </a:p>
+          <a:p>
+            <a:pPr lvl="1"/>
+            <a:r>
+              <a:rPr lang="de-AT" dirty="0" smtClean="0"/>
+              <a:t>Typ des Aufrufs</a:t>
+            </a:r>
+          </a:p>
+          <a:p>
+            <a:pPr lvl="1"/>
+            <a:r>
+              <a:rPr lang="de-AT" dirty="0" smtClean="0"/>
+              <a:t>Parameter des Aufrufs</a:t>
+            </a:r>
+          </a:p>
+          <a:p>
+            <a:pPr lvl="1"/>
+            <a:r>
+              <a:rPr lang="de-AT" dirty="0" smtClean="0"/>
+              <a:t>Mit dem Aufruf verbundener Funktionsparameter</a:t>
+            </a:r>
+          </a:p>
+          <a:p>
+            <a:pPr lvl="1"/>
+            <a:r>
+              <a:rPr lang="de-AT" dirty="0" smtClean="0"/>
+              <a:t>Durch Funktionsparameter gebundene Variablen</a:t>
+            </a:r>
+          </a:p>
+          <a:p>
+            <a:pPr lvl="1"/>
+            <a:endParaRPr lang="de-AT" dirty="0" smtClean="0"/>
+          </a:p>
+          <a:p>
+            <a:r>
+              <a:rPr lang="de-AT" dirty="0" smtClean="0"/>
+              <a:t>Genug Information um</a:t>
+            </a:r>
+          </a:p>
+          <a:p>
+            <a:pPr lvl="1"/>
+            <a:r>
+              <a:rPr lang="de-AT" dirty="0" smtClean="0"/>
+              <a:t>Knoten eindeutig zu Identifizieren</a:t>
+            </a:r>
+          </a:p>
+          <a:p>
+            <a:pPr lvl="1"/>
+            <a:r>
+              <a:rPr lang="de-AT" dirty="0" smtClean="0"/>
+              <a:t>Knoten miteinander zu vergleichen </a:t>
+            </a:r>
+          </a:p>
+          <a:p>
+            <a:pPr lvl="2"/>
+            <a:r>
+              <a:rPr lang="de-AT" dirty="0" smtClean="0"/>
+              <a:t>Alle Eigenschaften gleich </a:t>
+            </a:r>
+            <a:r>
+              <a:rPr lang="de-AT" dirty="0" smtClean="0">
                 <a:sym typeface="Wingdings" panose="05000000000000000000" pitchFamily="2" charset="2"/>
               </a:rPr>
-              <a:t> Gleich Ausgeführt</a:t>
-            </a:r>
-          </a:p>
-          <a:p>
-            <a:r>
-              <a:rPr lang="de-AT" baseline="0" dirty="0" smtClean="0">
+              <a:t> Ergebnis der Ausführung gleich</a:t>
+            </a:r>
+          </a:p>
+          <a:p>
+            <a:pPr lvl="1"/>
+            <a:r>
+              <a:rPr lang="de-AT" dirty="0" smtClean="0">
                 <a:sym typeface="Wingdings" panose="05000000000000000000" pitchFamily="2" charset="2"/>
               </a:rPr>
-              <a:t>Was bedeutet optimal </a:t>
-            </a:r>
-            <a:r>
-              <a:rPr lang="de-AT" baseline="0" dirty="0" err="1" smtClean="0">
+              <a:t>Knoten erneut auszuführen </a:t>
+            </a:r>
+          </a:p>
+          <a:p>
+            <a:pPr lvl="1"/>
+            <a:endParaRPr lang="de-AT" dirty="0" smtClean="0">
+              <a:sym typeface="Wingdings" panose="05000000000000000000" pitchFamily="2" charset="2"/>
+            </a:endParaRPr>
+          </a:p>
+          <a:p>
+            <a:pPr lvl="1"/>
+            <a:r>
+              <a:rPr lang="de-AT" dirty="0" smtClean="0">
                 <a:sym typeface="Wingdings" panose="05000000000000000000" pitchFamily="2" charset="2"/>
               </a:rPr>
-              <a:t>alloziert</a:t>
-            </a:r>
-            <a:r>
-              <a:rPr lang="de-AT" baseline="0" dirty="0" smtClean="0">
-                <a:sym typeface="Wingdings" panose="05000000000000000000" pitchFamily="2" charset="2"/>
-              </a:rPr>
-              <a:t>? </a:t>
-            </a:r>
-          </a:p>
-          <a:p>
-            <a:r>
-              <a:rPr lang="de-AT" baseline="0" dirty="0" smtClean="0">
-                <a:sym typeface="Wingdings" panose="05000000000000000000" pitchFamily="2" charset="2"/>
-              </a:rPr>
-              <a:t>Was bedeutet naiv? </a:t>
-            </a:r>
-            <a:endParaRPr lang="de-AT" dirty="0"/>
+              <a:t>Datensammlung Problematisch</a:t>
+            </a:r>
           </a:p>
         </p:txBody>
       </p:sp>
@@ -687,7 +744,7 @@
           <a:p>
             <a:fld id="{4B2D79EF-7269-46DF-B5F3-837F1FE3AED9}" type="slidenum">
               <a:rPr lang="de-AT" smtClean="0"/>
-              <a:t>18</a:t>
+              <a:t>14</a:t>
             </a:fld>
             <a:endParaRPr lang="de-AT"/>
           </a:p>
@@ -696,7 +753,7 @@
     </p:spTree>
     <p:extLst>
       <p:ext uri="{BB962C8B-B14F-4D97-AF65-F5344CB8AC3E}">
-        <p14:creationId xmlns:p14="http://schemas.microsoft.com/office/powerpoint/2010/main" val="4235423981"/>
+        <p14:creationId xmlns:p14="http://schemas.microsoft.com/office/powerpoint/2010/main" val="319177160"/>
       </p:ext>
     </p:extLst>
   </p:cSld>
@@ -750,55 +807,6 @@
           <a:bodyPr/>
           <a:lstStyle/>
           <a:p>
-            <a:pPr lvl="0"/>
-            <a:r>
-              <a:rPr lang="de-AT" dirty="0" smtClean="0"/>
-              <a:t>Erwähnen: </a:t>
-            </a:r>
-          </a:p>
-          <a:p>
-            <a:pPr lvl="0"/>
-            <a:r>
-              <a:rPr lang="de-AT" dirty="0" smtClean="0"/>
-              <a:t>Einfügen/Löschen hier nicht besonders interessant</a:t>
-            </a:r>
-          </a:p>
-          <a:p>
-            <a:pPr lvl="0"/>
-            <a:r>
-              <a:rPr lang="de-AT" dirty="0" smtClean="0"/>
-              <a:t>Erwähnen: Stabilitätsprobleme beim Exhaustive </a:t>
-            </a:r>
-            <a:r>
-              <a:rPr lang="de-AT" dirty="0" err="1" smtClean="0"/>
-              <a:t>Testing</a:t>
-            </a:r>
-            <a:r>
-              <a:rPr lang="de-AT" dirty="0" smtClean="0"/>
-              <a:t>.</a:t>
-            </a:r>
-            <a:r>
-              <a:rPr lang="de-AT" baseline="0" dirty="0" smtClean="0"/>
-              <a:t> Zudem hoher CPU/Speicherverbrauch</a:t>
-            </a:r>
-            <a:endParaRPr lang="de-AT" dirty="0" smtClean="0"/>
-          </a:p>
-          <a:p>
-            <a:r>
-              <a:rPr lang="de-AT" dirty="0" err="1" smtClean="0"/>
-              <a:t>Mittlung</a:t>
-            </a:r>
-            <a:r>
-              <a:rPr lang="de-AT" baseline="0" dirty="0" smtClean="0"/>
-              <a:t> aus 5 Runs. </a:t>
-            </a:r>
-            <a:br>
-              <a:rPr lang="de-AT" baseline="0" dirty="0" smtClean="0"/>
-            </a:br>
-            <a:r>
-              <a:rPr lang="de-AT" baseline="0" dirty="0" smtClean="0"/>
-              <a:t>Limit: Zeit. Zeitkomplexität von TBD steigt sehr hoch an (Overhead/Implementierung)</a:t>
-            </a:r>
             <a:endParaRPr lang="de-AT" dirty="0"/>
           </a:p>
         </p:txBody>
@@ -820,7 +828,7 @@
           <a:p>
             <a:fld id="{4B2D79EF-7269-46DF-B5F3-837F1FE3AED9}" type="slidenum">
               <a:rPr lang="de-AT" smtClean="0"/>
-              <a:t>20</a:t>
+              <a:t>15</a:t>
             </a:fld>
             <a:endParaRPr lang="de-AT"/>
           </a:p>
@@ -829,7 +837,7 @@
     </p:spTree>
     <p:extLst>
       <p:ext uri="{BB962C8B-B14F-4D97-AF65-F5344CB8AC3E}">
-        <p14:creationId xmlns:p14="http://schemas.microsoft.com/office/powerpoint/2010/main" val="3111980947"/>
+        <p14:creationId xmlns:p14="http://schemas.microsoft.com/office/powerpoint/2010/main" val="315362270"/>
       </p:ext>
     </p:extLst>
   </p:cSld>
@@ -904,7 +912,7 @@
           <a:p>
             <a:fld id="{4B2D79EF-7269-46DF-B5F3-837F1FE3AED9}" type="slidenum">
               <a:rPr lang="de-AT" smtClean="0"/>
-              <a:t>22</a:t>
+              <a:t>17</a:t>
             </a:fld>
             <a:endParaRPr lang="de-AT"/>
           </a:p>
@@ -913,7 +921,7 @@
     </p:spTree>
     <p:extLst>
       <p:ext uri="{BB962C8B-B14F-4D97-AF65-F5344CB8AC3E}">
-        <p14:creationId xmlns:p14="http://schemas.microsoft.com/office/powerpoint/2010/main" val="3446349945"/>
+        <p14:creationId xmlns:p14="http://schemas.microsoft.com/office/powerpoint/2010/main" val="2933897829"/>
       </p:ext>
     </p:extLst>
   </p:cSld>
@@ -967,6 +975,48 @@
           <a:bodyPr/>
           <a:lstStyle/>
           <a:p>
+            <a:r>
+              <a:rPr lang="de-AT" dirty="0" smtClean="0"/>
+              <a:t>Alle Eigenschaften</a:t>
+            </a:r>
+            <a:r>
+              <a:rPr lang="de-AT" baseline="0" dirty="0" smtClean="0"/>
+              <a:t> Gleich </a:t>
+            </a:r>
+            <a:r>
+              <a:rPr lang="de-AT" baseline="0" dirty="0" smtClean="0">
+                <a:sym typeface="Wingdings" panose="05000000000000000000" pitchFamily="2" charset="2"/>
+              </a:rPr>
+              <a:t> Gleich Ausgeführt</a:t>
+            </a:r>
+          </a:p>
+          <a:p>
+            <a:r>
+              <a:rPr lang="de-AT" baseline="0" dirty="0" smtClean="0">
+                <a:sym typeface="Wingdings" panose="05000000000000000000" pitchFamily="2" charset="2"/>
+              </a:rPr>
+              <a:t>Was bedeutet optimal </a:t>
+            </a:r>
+            <a:r>
+              <a:rPr lang="de-AT" baseline="0" dirty="0" err="1" smtClean="0">
+                <a:sym typeface="Wingdings" panose="05000000000000000000" pitchFamily="2" charset="2"/>
+              </a:rPr>
+              <a:t>alloziert</a:t>
+            </a:r>
+            <a:r>
+              <a:rPr lang="de-AT" baseline="0" dirty="0" smtClean="0">
+                <a:sym typeface="Wingdings" panose="05000000000000000000" pitchFamily="2" charset="2"/>
+              </a:rPr>
+              <a:t>? </a:t>
+            </a:r>
+          </a:p>
+          <a:p>
+            <a:r>
+              <a:rPr lang="de-AT" baseline="0" dirty="0" smtClean="0">
+                <a:sym typeface="Wingdings" panose="05000000000000000000" pitchFamily="2" charset="2"/>
+              </a:rPr>
+              <a:t>Was bedeutet naiv? </a:t>
+            </a:r>
             <a:endParaRPr lang="de-AT" dirty="0"/>
           </a:p>
         </p:txBody>
@@ -988,7 +1038,7 @@
           <a:p>
             <a:fld id="{4B2D79EF-7269-46DF-B5F3-837F1FE3AED9}" type="slidenum">
               <a:rPr lang="de-AT" smtClean="0"/>
-              <a:t>23</a:t>
+              <a:t>18</a:t>
             </a:fld>
             <a:endParaRPr lang="de-AT"/>
           </a:p>
@@ -997,7 +1047,7 @@
     </p:spTree>
     <p:extLst>
       <p:ext uri="{BB962C8B-B14F-4D97-AF65-F5344CB8AC3E}">
-        <p14:creationId xmlns:p14="http://schemas.microsoft.com/office/powerpoint/2010/main" val="3446349945"/>
+        <p14:creationId xmlns:p14="http://schemas.microsoft.com/office/powerpoint/2010/main" val="4235423981"/>
       </p:ext>
     </p:extLst>
   </p:cSld>
@@ -1051,6 +1101,55 @@
           <a:bodyPr/>
           <a:lstStyle/>
           <a:p>
+            <a:pPr lvl="0"/>
+            <a:r>
+              <a:rPr lang="de-AT" dirty="0" smtClean="0"/>
+              <a:t>Erwähnen: </a:t>
+            </a:r>
+          </a:p>
+          <a:p>
+            <a:pPr lvl="0"/>
+            <a:r>
+              <a:rPr lang="de-AT" dirty="0" smtClean="0"/>
+              <a:t>Einfügen/Löschen hier nicht besonders interessant</a:t>
+            </a:r>
+          </a:p>
+          <a:p>
+            <a:pPr lvl="0"/>
+            <a:r>
+              <a:rPr lang="de-AT" dirty="0" smtClean="0"/>
+              <a:t>Erwähnen: Stabilitätsprobleme beim Exhaustive </a:t>
+            </a:r>
+            <a:r>
+              <a:rPr lang="de-AT" dirty="0" err="1" smtClean="0"/>
+              <a:t>Testing</a:t>
+            </a:r>
+            <a:r>
+              <a:rPr lang="de-AT" dirty="0" smtClean="0"/>
+              <a:t>.</a:t>
+            </a:r>
+            <a:r>
+              <a:rPr lang="de-AT" baseline="0" dirty="0" smtClean="0"/>
+              <a:t> Zudem hoher CPU/Speicherverbrauch</a:t>
+            </a:r>
+            <a:endParaRPr lang="de-AT" dirty="0" smtClean="0"/>
+          </a:p>
+          <a:p>
+            <a:r>
+              <a:rPr lang="de-AT" dirty="0" err="1" smtClean="0"/>
+              <a:t>Mittlung</a:t>
+            </a:r>
+            <a:r>
+              <a:rPr lang="de-AT" baseline="0" dirty="0" smtClean="0"/>
+              <a:t> aus 5 Runs. </a:t>
+            </a:r>
+            <a:br>
+              <a:rPr lang="de-AT" baseline="0" dirty="0" smtClean="0"/>
+            </a:br>
+            <a:r>
+              <a:rPr lang="de-AT" baseline="0" dirty="0" smtClean="0"/>
+              <a:t>Limit: Zeit. Zeitkomplexität von TBD steigt sehr hoch an (Overhead/Implementierung)</a:t>
+            </a:r>
             <a:endParaRPr lang="de-AT" dirty="0"/>
           </a:p>
         </p:txBody>
@@ -1072,7 +1171,7 @@
           <a:p>
             <a:fld id="{4B2D79EF-7269-46DF-B5F3-837F1FE3AED9}" type="slidenum">
               <a:rPr lang="de-AT" smtClean="0"/>
-              <a:t>24</a:t>
+              <a:t>20</a:t>
             </a:fld>
             <a:endParaRPr lang="de-AT"/>
           </a:p>
@@ -1081,7 +1180,7 @@
     </p:spTree>
     <p:extLst>
       <p:ext uri="{BB962C8B-B14F-4D97-AF65-F5344CB8AC3E}">
-        <p14:creationId xmlns:p14="http://schemas.microsoft.com/office/powerpoint/2010/main" val="3446349945"/>
+        <p14:creationId xmlns:p14="http://schemas.microsoft.com/office/powerpoint/2010/main" val="3111980947"/>
       </p:ext>
     </p:extLst>
   </p:cSld>
@@ -1135,14 +1234,6 @@
           <a:bodyPr/>
           <a:lstStyle/>
           <a:p>
-            <a:r>
-              <a:rPr lang="de-AT" dirty="0" smtClean="0"/>
-              <a:t>Erwartet:</a:t>
-            </a:r>
-            <a:r>
-              <a:rPr lang="de-AT" baseline="0" dirty="0" smtClean="0"/>
-              <a:t> O(log(k)) laut theoretischen Beweis, wurde aber in der Praxis anders beobachtet (ist auch Prof. klar). </a:t>
-            </a:r>
             <a:endParaRPr lang="de-AT" dirty="0"/>
           </a:p>
         </p:txBody>
@@ -1164,7 +1255,7 @@
           <a:p>
             <a:fld id="{4B2D79EF-7269-46DF-B5F3-837F1FE3AED9}" type="slidenum">
               <a:rPr lang="de-AT" smtClean="0"/>
-              <a:t>25</a:t>
+              <a:t>22</a:t>
             </a:fld>
             <a:endParaRPr lang="de-AT"/>
           </a:p>
@@ -1173,7 +1264,7 @@
     </p:spTree>
     <p:extLst>
       <p:ext uri="{BB962C8B-B14F-4D97-AF65-F5344CB8AC3E}">
-        <p14:creationId xmlns:p14="http://schemas.microsoft.com/office/powerpoint/2010/main" val="1338082129"/>
+        <p14:creationId xmlns:p14="http://schemas.microsoft.com/office/powerpoint/2010/main" val="3446349945"/>
       </p:ext>
     </p:extLst>
   </p:cSld>
@@ -1248,7 +1339,7 @@
           <a:p>
             <a:fld id="{4B2D79EF-7269-46DF-B5F3-837F1FE3AED9}" type="slidenum">
               <a:rPr lang="de-AT" smtClean="0"/>
-              <a:t>26</a:t>
+              <a:t>23</a:t>
             </a:fld>
             <a:endParaRPr lang="de-AT"/>
           </a:p>
@@ -1257,7 +1348,7 @@
     </p:spTree>
     <p:extLst>
       <p:ext uri="{BB962C8B-B14F-4D97-AF65-F5344CB8AC3E}">
-        <p14:creationId xmlns:p14="http://schemas.microsoft.com/office/powerpoint/2010/main" val="1631921015"/>
+        <p14:creationId xmlns:p14="http://schemas.microsoft.com/office/powerpoint/2010/main" val="3446349945"/>
       </p:ext>
     </p:extLst>
   </p:cSld>
@@ -1332,7 +1423,7 @@
           <a:p>
             <a:fld id="{4B2D79EF-7269-46DF-B5F3-837F1FE3AED9}" type="slidenum">
               <a:rPr lang="de-AT" smtClean="0"/>
-              <a:t>27</a:t>
+              <a:t>24</a:t>
             </a:fld>
             <a:endParaRPr lang="de-AT"/>
           </a:p>
@@ -1341,7 +1432,7 @@
     </p:spTree>
     <p:extLst>
       <p:ext uri="{BB962C8B-B14F-4D97-AF65-F5344CB8AC3E}">
-        <p14:creationId xmlns:p14="http://schemas.microsoft.com/office/powerpoint/2010/main" val="1631921015"/>
+        <p14:creationId xmlns:p14="http://schemas.microsoft.com/office/powerpoint/2010/main" val="3446349945"/>
       </p:ext>
     </p:extLst>
   </p:cSld>
@@ -1395,6 +1486,14 @@
           <a:bodyPr/>
           <a:lstStyle/>
           <a:p>
+            <a:r>
+              <a:rPr lang="de-AT" dirty="0" smtClean="0"/>
+              <a:t>Erwartet:</a:t>
+            </a:r>
+            <a:r>
+              <a:rPr lang="de-AT" baseline="0" dirty="0" smtClean="0"/>
+              <a:t> O(log(k)) laut theoretischen Beweis, wurde aber in der Praxis anders beobachtet (ist auch Prof. klar). </a:t>
+            </a:r>
             <a:endParaRPr lang="de-AT" dirty="0"/>
           </a:p>
         </p:txBody>
@@ -1416,7 +1515,7 @@
           <a:p>
             <a:fld id="{4B2D79EF-7269-46DF-B5F3-837F1FE3AED9}" type="slidenum">
               <a:rPr lang="de-AT" smtClean="0"/>
-              <a:t>28</a:t>
+              <a:t>25</a:t>
             </a:fld>
             <a:endParaRPr lang="de-AT"/>
           </a:p>
@@ -1425,7 +1524,7 @@
     </p:spTree>
     <p:extLst>
       <p:ext uri="{BB962C8B-B14F-4D97-AF65-F5344CB8AC3E}">
-        <p14:creationId xmlns:p14="http://schemas.microsoft.com/office/powerpoint/2010/main" val="1631921015"/>
+        <p14:creationId xmlns:p14="http://schemas.microsoft.com/office/powerpoint/2010/main" val="1338082129"/>
       </p:ext>
     </p:extLst>
   </p:cSld>
@@ -1500,7 +1599,7 @@
           <a:p>
             <a:fld id="{4B2D79EF-7269-46DF-B5F3-837F1FE3AED9}" type="slidenum">
               <a:rPr lang="de-AT" smtClean="0"/>
-              <a:t>29</a:t>
+              <a:t>26</a:t>
             </a:fld>
             <a:endParaRPr lang="de-AT"/>
           </a:p>
@@ -1563,6 +1662,14 @@
           <a:bodyPr/>
           <a:lstStyle/>
           <a:p>
+            <a:r>
+              <a:rPr lang="de-AT" dirty="0" smtClean="0"/>
+              <a:t>Dazu</a:t>
+            </a:r>
+            <a:r>
+              <a:rPr lang="de-AT" baseline="0" dirty="0" smtClean="0"/>
+              <a:t> Ansätze betrachten</a:t>
+            </a:r>
             <a:endParaRPr lang="de-AT" dirty="0"/>
           </a:p>
         </p:txBody>
@@ -1584,7 +1691,7 @@
           <a:p>
             <a:fld id="{4B2D79EF-7269-46DF-B5F3-837F1FE3AED9}" type="slidenum">
               <a:rPr lang="de-AT" smtClean="0"/>
-              <a:t>5</a:t>
+              <a:t>4</a:t>
             </a:fld>
             <a:endParaRPr lang="de-AT"/>
           </a:p>
@@ -1593,7 +1700,7 @@
     </p:spTree>
     <p:extLst>
       <p:ext uri="{BB962C8B-B14F-4D97-AF65-F5344CB8AC3E}">
-        <p14:creationId xmlns:p14="http://schemas.microsoft.com/office/powerpoint/2010/main" val="2392025974"/>
+        <p14:creationId xmlns:p14="http://schemas.microsoft.com/office/powerpoint/2010/main" val="3531687609"/>
       </p:ext>
     </p:extLst>
   </p:cSld>
@@ -1647,20 +1754,6 @@
           <a:bodyPr/>
           <a:lstStyle/>
           <a:p>
-            <a:r>
-              <a:rPr lang="de-AT" dirty="0" smtClean="0"/>
-              <a:t>Alle Eigenschaften</a:t>
-            </a:r>
-            <a:r>
-              <a:rPr lang="de-AT" baseline="0" dirty="0" smtClean="0"/>
-              <a:t> Gleich </a:t>
-            </a:r>
-            <a:r>
-              <a:rPr lang="de-AT" baseline="0" dirty="0" smtClean="0">
-                <a:sym typeface="Wingdings" panose="05000000000000000000" pitchFamily="2" charset="2"/>
-              </a:rPr>
-              <a:t> Gleich Ausgeführt</a:t>
-            </a:r>
             <a:endParaRPr lang="de-AT" dirty="0"/>
           </a:p>
         </p:txBody>
@@ -1682,7 +1775,7 @@
           <a:p>
             <a:fld id="{4B2D79EF-7269-46DF-B5F3-837F1FE3AED9}" type="slidenum">
               <a:rPr lang="de-AT" smtClean="0"/>
-              <a:t>33</a:t>
+              <a:t>27</a:t>
             </a:fld>
             <a:endParaRPr lang="de-AT"/>
           </a:p>
@@ -1691,7 +1784,7 @@
     </p:spTree>
     <p:extLst>
       <p:ext uri="{BB962C8B-B14F-4D97-AF65-F5344CB8AC3E}">
-        <p14:creationId xmlns:p14="http://schemas.microsoft.com/office/powerpoint/2010/main" val="4235423981"/>
+        <p14:creationId xmlns:p14="http://schemas.microsoft.com/office/powerpoint/2010/main" val="1631921015"/>
       </p:ext>
     </p:extLst>
   </p:cSld>
@@ -1745,14 +1838,6 @@
           <a:bodyPr/>
           <a:lstStyle/>
           <a:p>
-            <a:r>
-              <a:rPr lang="de-AT" dirty="0" smtClean="0"/>
-              <a:t>Hinweis -&gt; Read Knoten nicht</a:t>
-            </a:r>
-            <a:r>
-              <a:rPr lang="de-AT" baseline="0" dirty="0" smtClean="0"/>
-              <a:t> neu ausgeführt. </a:t>
-            </a:r>
             <a:endParaRPr lang="de-AT" dirty="0"/>
           </a:p>
         </p:txBody>
@@ -1774,7 +1859,7 @@
           <a:p>
             <a:fld id="{4B2D79EF-7269-46DF-B5F3-837F1FE3AED9}" type="slidenum">
               <a:rPr lang="de-AT" smtClean="0"/>
-              <a:t>34</a:t>
+              <a:t>28</a:t>
             </a:fld>
             <a:endParaRPr lang="de-AT"/>
           </a:p>
@@ -1783,7 +1868,7 @@
     </p:spTree>
     <p:extLst>
       <p:ext uri="{BB962C8B-B14F-4D97-AF65-F5344CB8AC3E}">
-        <p14:creationId xmlns:p14="http://schemas.microsoft.com/office/powerpoint/2010/main" val="86185240"/>
+        <p14:creationId xmlns:p14="http://schemas.microsoft.com/office/powerpoint/2010/main" val="1631921015"/>
       </p:ext>
     </p:extLst>
   </p:cSld>
@@ -1837,42 +1922,6 @@
           <a:bodyPr/>
           <a:lstStyle/>
           <a:p>
-            <a:pPr marL="0" marR="0" indent="0" algn="l" defTabSz="914400" rtl="0" eaLnBrk="1" fontAlgn="auto" latinLnBrk="0" hangingPunct="1">
-              <a:lnSpc>
-                <a:spcPct val="100000"/>
-              </a:lnSpc>
-              <a:spcBef>
-                <a:spcPts val="0"/>
-              </a:spcBef>
-              <a:spcAft>
-                <a:spcPts val="0"/>
-              </a:spcAft>
-              <a:buClrTx/>
-              <a:buSzTx/>
-              <a:buFontTx/>
-              <a:buNone/>
-              <a:tabLst/>
-              <a:defRPr/>
-            </a:pPr>
-            <a:r>
-              <a:rPr lang="de-AT" dirty="0" smtClean="0"/>
-              <a:t>Nur 50 Mutationen, Laufzeit ~45</a:t>
-            </a:r>
-            <a:r>
-              <a:rPr lang="de-AT" baseline="0" dirty="0" smtClean="0"/>
-              <a:t> Minuten</a:t>
-            </a:r>
-            <a:r>
-              <a:rPr lang="de-AT" dirty="0" smtClean="0"/>
-              <a:t>.</a:t>
-            </a:r>
-            <a:r>
-              <a:rPr lang="de-AT" baseline="0" dirty="0" smtClean="0"/>
-              <a:t> Für durchgehende Tests 500² / 2 = 125000 Mutationen notwendig. 41 Stunden Rechenzeit. </a:t>
-            </a:r>
-            <a:endParaRPr lang="de-AT" dirty="0" smtClean="0"/>
-          </a:p>
-          <a:p>
             <a:endParaRPr lang="de-AT" dirty="0"/>
           </a:p>
         </p:txBody>
@@ -1894,7 +1943,7 @@
           <a:p>
             <a:fld id="{4B2D79EF-7269-46DF-B5F3-837F1FE3AED9}" type="slidenum">
               <a:rPr lang="de-AT" smtClean="0"/>
-              <a:t>35</a:t>
+              <a:t>29</a:t>
             </a:fld>
             <a:endParaRPr lang="de-AT"/>
           </a:p>
@@ -1903,7 +1952,7 @@
     </p:spTree>
     <p:extLst>
       <p:ext uri="{BB962C8B-B14F-4D97-AF65-F5344CB8AC3E}">
-        <p14:creationId xmlns:p14="http://schemas.microsoft.com/office/powerpoint/2010/main" val="3157116548"/>
+        <p14:creationId xmlns:p14="http://schemas.microsoft.com/office/powerpoint/2010/main" val="1631921015"/>
       </p:ext>
     </p:extLst>
   </p:cSld>
@@ -1959,6 +2008,316 @@
           <a:p>
             <a:r>
               <a:rPr lang="de-AT" dirty="0" smtClean="0"/>
+              <a:t>Alle Eigenschaften</a:t>
+            </a:r>
+            <a:r>
+              <a:rPr lang="de-AT" baseline="0" dirty="0" smtClean="0"/>
+              <a:t> Gleich </a:t>
+            </a:r>
+            <a:r>
+              <a:rPr lang="de-AT" baseline="0" dirty="0" smtClean="0">
+                <a:sym typeface="Wingdings" panose="05000000000000000000" pitchFamily="2" charset="2"/>
+              </a:rPr>
+              <a:t> Gleich Ausgeführt</a:t>
+            </a:r>
+            <a:endParaRPr lang="de-AT" dirty="0"/>
+          </a:p>
+        </p:txBody>
+      </p:sp>
+      <p:sp>
+        <p:nvSpPr>
+          <p:cNvPr id="4" name="Foliennummernplatzhalter 3"/>
+          <p:cNvSpPr>
+            <a:spLocks noGrp="1"/>
+          </p:cNvSpPr>
+          <p:nvPr>
+            <p:ph type="sldNum" sz="quarter" idx="10"/>
+          </p:nvPr>
+        </p:nvSpPr>
+        <p:spPr/>
+        <p:txBody>
+          <a:bodyPr/>
+          <a:lstStyle/>
+          <a:p>
+            <a:fld id="{4B2D79EF-7269-46DF-B5F3-837F1FE3AED9}" type="slidenum">
+              <a:rPr lang="de-AT" smtClean="0"/>
+              <a:t>33</a:t>
+            </a:fld>
+            <a:endParaRPr lang="de-AT"/>
+          </a:p>
+        </p:txBody>
+      </p:sp>
+    </p:spTree>
+    <p:extLst>
+      <p:ext uri="{BB962C8B-B14F-4D97-AF65-F5344CB8AC3E}">
+        <p14:creationId xmlns:p14="http://schemas.microsoft.com/office/powerpoint/2010/main" val="4235423981"/>
+      </p:ext>
+    </p:extLst>
+  </p:cSld>
+  <p:clrMapOvr>
+    <a:masterClrMapping/>
+  </p:clrMapOvr>
+</p:notes>
+</file>
+
+<file path=ppt/notesSlides/notesSlide24.xml><?xml version="1.0" encoding="utf-8"?>
+<p:notes xmlns:a="http://schemas.openxmlformats.org/drawingml/2006/main" xmlns:r="http://schemas.openxmlformats.org/officeDocument/2006/relationships" xmlns:p="http://schemas.openxmlformats.org/presentationml/2006/main">
+  <p:cSld>
+    <p:spTree>
+      <p:nvGrpSpPr>
+        <p:cNvPr id="1" name=""/>
+        <p:cNvGrpSpPr/>
+        <p:nvPr/>
+      </p:nvGrpSpPr>
+      <p:grpSpPr>
+        <a:xfrm>
+          <a:off x="0" y="0"/>
+          <a:ext cx="0" cy="0"/>
+          <a:chOff x="0" y="0"/>
+          <a:chExt cx="0" cy="0"/>
+        </a:xfrm>
+      </p:grpSpPr>
+      <p:sp>
+        <p:nvSpPr>
+          <p:cNvPr id="2" name="Folienbildplatzhalter 1"/>
+          <p:cNvSpPr>
+            <a:spLocks noGrp="1" noRot="1" noChangeAspect="1"/>
+          </p:cNvSpPr>
+          <p:nvPr>
+            <p:ph type="sldImg"/>
+          </p:nvPr>
+        </p:nvSpPr>
+        <p:spPr/>
+      </p:sp>
+      <p:sp>
+        <p:nvSpPr>
+          <p:cNvPr id="3" name="Notizenplatzhalter 2"/>
+          <p:cNvSpPr>
+            <a:spLocks noGrp="1"/>
+          </p:cNvSpPr>
+          <p:nvPr>
+            <p:ph type="body" idx="1"/>
+          </p:nvPr>
+        </p:nvSpPr>
+        <p:spPr/>
+        <p:txBody>
+          <a:bodyPr/>
+          <a:lstStyle/>
+          <a:p>
+            <a:r>
+              <a:rPr lang="de-AT" dirty="0" smtClean="0"/>
+              <a:t>Hinweis -&gt; Read Knoten nicht</a:t>
+            </a:r>
+            <a:r>
+              <a:rPr lang="de-AT" baseline="0" dirty="0" smtClean="0"/>
+              <a:t> neu ausgeführt. </a:t>
+            </a:r>
+            <a:endParaRPr lang="de-AT" dirty="0"/>
+          </a:p>
+        </p:txBody>
+      </p:sp>
+      <p:sp>
+        <p:nvSpPr>
+          <p:cNvPr id="4" name="Foliennummernplatzhalter 3"/>
+          <p:cNvSpPr>
+            <a:spLocks noGrp="1"/>
+          </p:cNvSpPr>
+          <p:nvPr>
+            <p:ph type="sldNum" sz="quarter" idx="10"/>
+          </p:nvPr>
+        </p:nvSpPr>
+        <p:spPr/>
+        <p:txBody>
+          <a:bodyPr/>
+          <a:lstStyle/>
+          <a:p>
+            <a:fld id="{4B2D79EF-7269-46DF-B5F3-837F1FE3AED9}" type="slidenum">
+              <a:rPr lang="de-AT" smtClean="0"/>
+              <a:t>34</a:t>
+            </a:fld>
+            <a:endParaRPr lang="de-AT"/>
+          </a:p>
+        </p:txBody>
+      </p:sp>
+    </p:spTree>
+    <p:extLst>
+      <p:ext uri="{BB962C8B-B14F-4D97-AF65-F5344CB8AC3E}">
+        <p14:creationId xmlns:p14="http://schemas.microsoft.com/office/powerpoint/2010/main" val="86185240"/>
+      </p:ext>
+    </p:extLst>
+  </p:cSld>
+  <p:clrMapOvr>
+    <a:masterClrMapping/>
+  </p:clrMapOvr>
+</p:notes>
+</file>
+
+<file path=ppt/notesSlides/notesSlide25.xml><?xml version="1.0" encoding="utf-8"?>
+<p:notes xmlns:a="http://schemas.openxmlformats.org/drawingml/2006/main" xmlns:r="http://schemas.openxmlformats.org/officeDocument/2006/relationships" xmlns:p="http://schemas.openxmlformats.org/presentationml/2006/main">
+  <p:cSld>
+    <p:spTree>
+      <p:nvGrpSpPr>
+        <p:cNvPr id="1" name=""/>
+        <p:cNvGrpSpPr/>
+        <p:nvPr/>
+      </p:nvGrpSpPr>
+      <p:grpSpPr>
+        <a:xfrm>
+          <a:off x="0" y="0"/>
+          <a:ext cx="0" cy="0"/>
+          <a:chOff x="0" y="0"/>
+          <a:chExt cx="0" cy="0"/>
+        </a:xfrm>
+      </p:grpSpPr>
+      <p:sp>
+        <p:nvSpPr>
+          <p:cNvPr id="2" name="Folienbildplatzhalter 1"/>
+          <p:cNvSpPr>
+            <a:spLocks noGrp="1" noRot="1" noChangeAspect="1"/>
+          </p:cNvSpPr>
+          <p:nvPr>
+            <p:ph type="sldImg"/>
+          </p:nvPr>
+        </p:nvSpPr>
+        <p:spPr/>
+      </p:sp>
+      <p:sp>
+        <p:nvSpPr>
+          <p:cNvPr id="3" name="Notizenplatzhalter 2"/>
+          <p:cNvSpPr>
+            <a:spLocks noGrp="1"/>
+          </p:cNvSpPr>
+          <p:nvPr>
+            <p:ph type="body" idx="1"/>
+          </p:nvPr>
+        </p:nvSpPr>
+        <p:spPr/>
+        <p:txBody>
+          <a:bodyPr/>
+          <a:lstStyle/>
+          <a:p>
+            <a:pPr marL="0" marR="0" indent="0" algn="l" defTabSz="914400" rtl="0" eaLnBrk="1" fontAlgn="auto" latinLnBrk="0" hangingPunct="1">
+              <a:lnSpc>
+                <a:spcPct val="100000"/>
+              </a:lnSpc>
+              <a:spcBef>
+                <a:spcPts val="0"/>
+              </a:spcBef>
+              <a:spcAft>
+                <a:spcPts val="0"/>
+              </a:spcAft>
+              <a:buClrTx/>
+              <a:buSzTx/>
+              <a:buFontTx/>
+              <a:buNone/>
+              <a:tabLst/>
+              <a:defRPr/>
+            </a:pPr>
+            <a:r>
+              <a:rPr lang="de-AT" dirty="0" smtClean="0"/>
+              <a:t>Nur 50 Mutationen, Laufzeit ~45</a:t>
+            </a:r>
+            <a:r>
+              <a:rPr lang="de-AT" baseline="0" dirty="0" smtClean="0"/>
+              <a:t> Minuten</a:t>
+            </a:r>
+            <a:r>
+              <a:rPr lang="de-AT" dirty="0" smtClean="0"/>
+              <a:t>.</a:t>
+            </a:r>
+            <a:r>
+              <a:rPr lang="de-AT" baseline="0" dirty="0" smtClean="0"/>
+              <a:t> Für durchgehende Tests 500² / 2 = 125000 Mutationen notwendig. 41 Stunden Rechenzeit. </a:t>
+            </a:r>
+            <a:endParaRPr lang="de-AT" dirty="0" smtClean="0"/>
+          </a:p>
+          <a:p>
+            <a:endParaRPr lang="de-AT" dirty="0"/>
+          </a:p>
+        </p:txBody>
+      </p:sp>
+      <p:sp>
+        <p:nvSpPr>
+          <p:cNvPr id="4" name="Foliennummernplatzhalter 3"/>
+          <p:cNvSpPr>
+            <a:spLocks noGrp="1"/>
+          </p:cNvSpPr>
+          <p:nvPr>
+            <p:ph type="sldNum" sz="quarter" idx="10"/>
+          </p:nvPr>
+        </p:nvSpPr>
+        <p:spPr/>
+        <p:txBody>
+          <a:bodyPr/>
+          <a:lstStyle/>
+          <a:p>
+            <a:fld id="{4B2D79EF-7269-46DF-B5F3-837F1FE3AED9}" type="slidenum">
+              <a:rPr lang="de-AT" smtClean="0"/>
+              <a:t>35</a:t>
+            </a:fld>
+            <a:endParaRPr lang="de-AT"/>
+          </a:p>
+        </p:txBody>
+      </p:sp>
+    </p:spTree>
+    <p:extLst>
+      <p:ext uri="{BB962C8B-B14F-4D97-AF65-F5344CB8AC3E}">
+        <p14:creationId xmlns:p14="http://schemas.microsoft.com/office/powerpoint/2010/main" val="3157116548"/>
+      </p:ext>
+    </p:extLst>
+  </p:cSld>
+  <p:clrMapOvr>
+    <a:masterClrMapping/>
+  </p:clrMapOvr>
+</p:notes>
+</file>
+
+<file path=ppt/notesSlides/notesSlide26.xml><?xml version="1.0" encoding="utf-8"?>
+<p:notes xmlns:a="http://schemas.openxmlformats.org/drawingml/2006/main" xmlns:r="http://schemas.openxmlformats.org/officeDocument/2006/relationships" xmlns:p="http://schemas.openxmlformats.org/presentationml/2006/main">
+  <p:cSld>
+    <p:spTree>
+      <p:nvGrpSpPr>
+        <p:cNvPr id="1" name=""/>
+        <p:cNvGrpSpPr/>
+        <p:nvPr/>
+      </p:nvGrpSpPr>
+      <p:grpSpPr>
+        <a:xfrm>
+          <a:off x="0" y="0"/>
+          <a:ext cx="0" cy="0"/>
+          <a:chOff x="0" y="0"/>
+          <a:chExt cx="0" cy="0"/>
+        </a:xfrm>
+      </p:grpSpPr>
+      <p:sp>
+        <p:nvSpPr>
+          <p:cNvPr id="2" name="Folienbildplatzhalter 1"/>
+          <p:cNvSpPr>
+            <a:spLocks noGrp="1" noRot="1" noChangeAspect="1"/>
+          </p:cNvSpPr>
+          <p:nvPr>
+            <p:ph type="sldImg"/>
+          </p:nvPr>
+        </p:nvSpPr>
+        <p:spPr/>
+      </p:sp>
+      <p:sp>
+        <p:nvSpPr>
+          <p:cNvPr id="3" name="Notizenplatzhalter 2"/>
+          <p:cNvSpPr>
+            <a:spLocks noGrp="1"/>
+          </p:cNvSpPr>
+          <p:nvPr>
+            <p:ph type="body" idx="1"/>
+          </p:nvPr>
+        </p:nvSpPr>
+        <p:spPr/>
+        <p:txBody>
+          <a:bodyPr/>
+          <a:lstStyle/>
+          <a:p>
+            <a:r>
+              <a:rPr lang="de-AT" dirty="0" smtClean="0"/>
               <a:t>Nur 50 Mutationen, Laufzeit ~45</a:t>
             </a:r>
             <a:r>
@@ -2013,7 +2372,7 @@
 </p:notes>
 </file>
 
-<file path=ppt/notesSlides/notesSlide24.xml><?xml version="1.0" encoding="utf-8"?>
+<file path=ppt/notesSlides/notesSlide27.xml><?xml version="1.0" encoding="utf-8"?>
 <p:notes xmlns:a="http://schemas.openxmlformats.org/drawingml/2006/main" xmlns:r="http://schemas.openxmlformats.org/officeDocument/2006/relationships" xmlns:p="http://schemas.openxmlformats.org/presentationml/2006/main">
   <p:cSld>
     <p:spTree>
@@ -2178,7 +2537,7 @@
           <a:p>
             <a:fld id="{4B2D79EF-7269-46DF-B5F3-837F1FE3AED9}" type="slidenum">
               <a:rPr lang="de-AT" smtClean="0"/>
-              <a:t>6</a:t>
+              <a:t>5</a:t>
             </a:fld>
             <a:endParaRPr lang="de-AT"/>
           </a:p>
@@ -2262,7 +2621,7 @@
           <a:p>
             <a:fld id="{4B2D79EF-7269-46DF-B5F3-837F1FE3AED9}" type="slidenum">
               <a:rPr lang="de-AT" smtClean="0"/>
-              <a:t>7</a:t>
+              <a:t>6</a:t>
             </a:fld>
             <a:endParaRPr lang="de-AT"/>
           </a:p>
@@ -2346,7 +2705,7 @@
           <a:p>
             <a:fld id="{4B2D79EF-7269-46DF-B5F3-837F1FE3AED9}" type="slidenum">
               <a:rPr lang="de-AT" smtClean="0"/>
-              <a:t>8</a:t>
+              <a:t>7</a:t>
             </a:fld>
             <a:endParaRPr lang="de-AT"/>
           </a:p>
@@ -2409,14 +2768,6 @@
           <a:bodyPr/>
           <a:lstStyle/>
           <a:p>
-            <a:r>
-              <a:rPr lang="de-AT" dirty="0" smtClean="0"/>
-              <a:t>Wichtig: Bezieht</a:t>
-            </a:r>
-            <a:r>
-              <a:rPr lang="de-AT" baseline="0" dirty="0" smtClean="0"/>
-              <a:t> sich nicht direkt auf die Gleichheit von Objekten. Wenn wir z.B. eine Liste verarbeiten, müssen wir im Vorgänger die Referenz auf unseren Knoten neu erstellen. Damit muss dieser neu erstellt werden. Usw. </a:t>
-            </a:r>
             <a:endParaRPr lang="de-AT" dirty="0"/>
           </a:p>
         </p:txBody>
@@ -2438,7 +2789,7 @@
           <a:p>
             <a:fld id="{4B2D79EF-7269-46DF-B5F3-837F1FE3AED9}" type="slidenum">
               <a:rPr lang="de-AT" smtClean="0"/>
-              <a:t>9</a:t>
+              <a:t>8</a:t>
             </a:fld>
             <a:endParaRPr lang="de-AT"/>
           </a:p>
@@ -2447,7 +2798,7 @@
     </p:spTree>
     <p:extLst>
       <p:ext uri="{BB962C8B-B14F-4D97-AF65-F5344CB8AC3E}">
-        <p14:creationId xmlns:p14="http://schemas.microsoft.com/office/powerpoint/2010/main" val="3459322199"/>
+        <p14:creationId xmlns:p14="http://schemas.microsoft.com/office/powerpoint/2010/main" val="2392025974"/>
       </p:ext>
     </p:extLst>
   </p:cSld>
@@ -2503,11 +2854,11 @@
           <a:p>
             <a:r>
               <a:rPr lang="de-AT" dirty="0" smtClean="0"/>
-              <a:t>Herausheben: Maß</a:t>
+              <a:t>Wichtig: Bezieht</a:t>
             </a:r>
             <a:r>
               <a:rPr lang="de-AT" baseline="0" dirty="0" smtClean="0"/>
-              <a:t> für den Anpassungsaufwand zwischen zwei Ausführungen -&gt; Editierdistanz zwischen zwei DDGs</a:t>
+              <a:t> sich nicht direkt auf die Gleichheit von Objekten. Wenn wir z.B. eine Liste verarbeiten, müssen wir im Vorgänger die Referenz auf unseren Knoten neu erstellen. Damit muss dieser neu erstellt werden. Usw. </a:t>
             </a:r>
             <a:endParaRPr lang="de-AT" dirty="0"/>
           </a:p>
@@ -2530,7 +2881,7 @@
           <a:p>
             <a:fld id="{4B2D79EF-7269-46DF-B5F3-837F1FE3AED9}" type="slidenum">
               <a:rPr lang="de-AT" smtClean="0"/>
-              <a:t>10</a:t>
+              <a:t>9</a:t>
             </a:fld>
             <a:endParaRPr lang="de-AT"/>
           </a:p>
@@ -2539,7 +2890,7 @@
     </p:spTree>
     <p:extLst>
       <p:ext uri="{BB962C8B-B14F-4D97-AF65-F5344CB8AC3E}">
-        <p14:creationId xmlns:p14="http://schemas.microsoft.com/office/powerpoint/2010/main" val="2139852189"/>
+        <p14:creationId xmlns:p14="http://schemas.microsoft.com/office/powerpoint/2010/main" val="3459322199"/>
       </p:ext>
     </p:extLst>
   </p:cSld>
@@ -2595,27 +2946,55 @@
           <a:p>
             <a:r>
               <a:rPr lang="de-AT" dirty="0" smtClean="0"/>
-              <a:t>Beispiel</a:t>
+              <a:t>Herausheben: Maß</a:t>
             </a:r>
             <a:r>
               <a:rPr lang="de-AT" baseline="0" dirty="0" smtClean="0"/>
-              <a:t> erklären. </a:t>
-            </a:r>
-          </a:p>
-          <a:p>
+              <a:t> für den </a:t>
+            </a:r>
             <a:r>
               <a:rPr lang="de-AT" baseline="0" dirty="0" smtClean="0"/>
-              <a:t>Runde Klammern: </a:t>
-            </a:r>
-            <a:r>
-              <a:rPr lang="de-AT" baseline="0" dirty="0" err="1" smtClean="0"/>
-              <a:t>Closures</a:t>
+              <a:t>Anpassungsaufwand </a:t>
             </a:r>
             <a:r>
               <a:rPr lang="de-AT" baseline="0" dirty="0" smtClean="0"/>
-              <a:t> (== Funktionsaufruf inkl. Einschließende Umgebung). Beispielsweise bindet die innerste Klammer das a. </a:t>
-            </a:r>
-            <a:endParaRPr lang="de-AT" dirty="0"/>
+              <a:t>zwischen zwei Ausführungen -&gt; Editierdistanz zwischen zwei </a:t>
+            </a:r>
+            <a:r>
+              <a:rPr lang="de-AT" baseline="0" dirty="0" smtClean="0"/>
+              <a:t>DDGs</a:t>
+            </a:r>
+          </a:p>
+          <a:p>
+            <a:endParaRPr lang="de-AT" baseline="0" dirty="0" smtClean="0"/>
+          </a:p>
+          <a:p>
+            <a:pPr marL="0" marR="0" indent="0" algn="l" defTabSz="914400" rtl="0" eaLnBrk="1" fontAlgn="auto" latinLnBrk="0" hangingPunct="1">
+              <a:lnSpc>
+                <a:spcPct val="100000"/>
+              </a:lnSpc>
+              <a:spcBef>
+                <a:spcPts val="0"/>
+              </a:spcBef>
+              <a:spcAft>
+                <a:spcPts val="0"/>
+              </a:spcAft>
+              <a:buClrTx/>
+              <a:buSzTx/>
+              <a:buFontTx/>
+              <a:buNone/>
+              <a:tabLst/>
+              <a:defRPr/>
+            </a:pPr>
+            <a:r>
+              <a:rPr lang="de-AT" dirty="0" smtClean="0"/>
+              <a:t>Knoten</a:t>
+            </a:r>
+            <a:r>
+              <a:rPr lang="de-AT" baseline="0" dirty="0" smtClean="0"/>
+              <a:t> führt in konstanter Zeit aus -&gt; Ablaufdistanz gibt Hinweis auf die Laufzeit einer Aktualisierung. </a:t>
+            </a:r>
+            <a:endParaRPr lang="de-AT" dirty="0" smtClean="0"/>
           </a:p>
         </p:txBody>
       </p:sp>
@@ -2636,7 +3015,7 @@
           <a:p>
             <a:fld id="{4B2D79EF-7269-46DF-B5F3-837F1FE3AED9}" type="slidenum">
               <a:rPr lang="de-AT" smtClean="0"/>
-              <a:t>13</a:t>
+              <a:t>10</a:t>
             </a:fld>
             <a:endParaRPr lang="de-AT"/>
           </a:p>
@@ -2645,7 +3024,7 @@
     </p:spTree>
     <p:extLst>
       <p:ext uri="{BB962C8B-B14F-4D97-AF65-F5344CB8AC3E}">
-        <p14:creationId xmlns:p14="http://schemas.microsoft.com/office/powerpoint/2010/main" val="2062183872"/>
+        <p14:creationId xmlns:p14="http://schemas.microsoft.com/office/powerpoint/2010/main" val="2139852189"/>
       </p:ext>
     </p:extLst>
   </p:cSld>
@@ -2701,107 +3080,27 @@
           <a:p>
             <a:r>
               <a:rPr lang="de-AT" dirty="0" smtClean="0"/>
-              <a:t>Knoteneigenschaften</a:t>
-            </a:r>
-          </a:p>
-          <a:p>
-            <a:pPr lvl="1"/>
-            <a:r>
-              <a:rPr lang="de-AT" dirty="0" smtClean="0"/>
-              <a:t>Eindeutige Knoten ID</a:t>
-            </a:r>
-          </a:p>
-          <a:p>
-            <a:pPr lvl="1"/>
-            <a:r>
-              <a:rPr lang="de-AT" dirty="0" smtClean="0"/>
-              <a:t>Typ des Aufrufs</a:t>
-            </a:r>
-          </a:p>
-          <a:p>
-            <a:pPr lvl="1"/>
-            <a:r>
-              <a:rPr lang="de-AT" dirty="0" smtClean="0"/>
-              <a:t>Parameter des Aufrufs</a:t>
-            </a:r>
-          </a:p>
-          <a:p>
-            <a:pPr lvl="1"/>
-            <a:r>
-              <a:rPr lang="de-AT" dirty="0" smtClean="0"/>
-              <a:t>Mit dem Aufruf verbundener Funktionsparameter</a:t>
-            </a:r>
-          </a:p>
-          <a:p>
-            <a:pPr lvl="1"/>
-            <a:r>
-              <a:rPr lang="de-AT" dirty="0" smtClean="0"/>
-              <a:t>Durch Funktionsparameter gebundene Variablen</a:t>
-            </a:r>
-          </a:p>
-          <a:p>
-            <a:pPr lvl="1"/>
-            <a:endParaRPr lang="de-AT" dirty="0" smtClean="0"/>
-          </a:p>
-          <a:p>
-            <a:r>
-              <a:rPr lang="de-AT" dirty="0" smtClean="0"/>
-              <a:t>Genug Information um</a:t>
-            </a:r>
-          </a:p>
-          <a:p>
-            <a:pPr lvl="1"/>
-            <a:r>
-              <a:rPr lang="de-AT" dirty="0" smtClean="0"/>
-              <a:t>Knoten eindeutig zu Identifizieren</a:t>
-            </a:r>
-          </a:p>
-          <a:p>
-            <a:pPr lvl="1"/>
-            <a:r>
-              <a:rPr lang="de-AT" dirty="0" smtClean="0"/>
-              <a:t>Knoten miteinander zu vergleichen </a:t>
-            </a:r>
-          </a:p>
-          <a:p>
-            <a:pPr lvl="2"/>
-            <a:r>
-              <a:rPr lang="de-AT" dirty="0" smtClean="0"/>
-              <a:t>Alle Eigenschaften gleich </a:t>
-            </a:r>
-            <a:r>
-              <a:rPr lang="de-AT" dirty="0" smtClean="0">
-                <a:sym typeface="Wingdings" panose="05000000000000000000" pitchFamily="2" charset="2"/>
-              </a:rPr>
-              <a:t> Ergebnis der Ausführung gleich</a:t>
-            </a:r>
-          </a:p>
-          <a:p>
-            <a:pPr lvl="1"/>
-            <a:r>
-              <a:rPr lang="de-AT" dirty="0" smtClean="0">
-                <a:sym typeface="Wingdings" panose="05000000000000000000" pitchFamily="2" charset="2"/>
-              </a:rPr>
-              <a:t>Knoten erneut auszuführen </a:t>
-            </a:r>
-          </a:p>
-          <a:p>
-            <a:pPr lvl="1"/>
-            <a:endParaRPr lang="de-AT" dirty="0" smtClean="0">
-              <a:sym typeface="Wingdings" panose="05000000000000000000" pitchFamily="2" charset="2"/>
-            </a:endParaRPr>
-          </a:p>
-          <a:p>
-            <a:pPr lvl="1"/>
-            <a:r>
-              <a:rPr lang="de-AT" dirty="0" smtClean="0">
-                <a:sym typeface="Wingdings" panose="05000000000000000000" pitchFamily="2" charset="2"/>
-              </a:rPr>
-              <a:t>Datensammlung Problematisch</a:t>
-            </a:r>
-            <a:endParaRPr lang="de-AT" dirty="0" smtClean="0">
-              <a:sym typeface="Wingdings" panose="05000000000000000000" pitchFamily="2" charset="2"/>
-            </a:endParaRPr>
+              <a:t>Beispiel</a:t>
+            </a:r>
+            <a:r>
+              <a:rPr lang="de-AT" baseline="0" dirty="0" smtClean="0"/>
+              <a:t> erklären. </a:t>
+            </a:r>
+          </a:p>
+          <a:p>
+            <a:r>
+              <a:rPr lang="de-AT" baseline="0" dirty="0" smtClean="0"/>
+              <a:t>Runde Klammern: </a:t>
+            </a:r>
+            <a:r>
+              <a:rPr lang="de-AT" baseline="0" dirty="0" err="1" smtClean="0"/>
+              <a:t>Closures</a:t>
+            </a:r>
+            <a:r>
+              <a:rPr lang="de-AT" baseline="0" dirty="0" smtClean="0"/>
+              <a:t> (== Funktionsaufruf inkl. Einschließende Umgebung). Beispielsweise bindet die innerste Klammer das a. </a:t>
+            </a:r>
+            <a:endParaRPr lang="de-AT" dirty="0"/>
           </a:p>
         </p:txBody>
       </p:sp>
@@ -2822,7 +3121,7 @@
           <a:p>
             <a:fld id="{4B2D79EF-7269-46DF-B5F3-837F1FE3AED9}" type="slidenum">
               <a:rPr lang="de-AT" smtClean="0"/>
-              <a:t>14</a:t>
+              <a:t>13</a:t>
             </a:fld>
             <a:endParaRPr lang="de-AT"/>
           </a:p>
@@ -2831,7 +3130,7 @@
     </p:spTree>
     <p:extLst>
       <p:ext uri="{BB962C8B-B14F-4D97-AF65-F5344CB8AC3E}">
-        <p14:creationId xmlns:p14="http://schemas.microsoft.com/office/powerpoint/2010/main" val="319177160"/>
+        <p14:creationId xmlns:p14="http://schemas.microsoft.com/office/powerpoint/2010/main" val="2062183872"/>
       </p:ext>
     </p:extLst>
   </p:cSld>
@@ -2991,7 +3290,6 @@
               <a:rPr lang="de-DE" sz="1000" dirty="0" smtClean="0"/>
               <a:t>nationales Forschungszentrum in der Helmholtz-Gemeinschaft</a:t>
             </a:r>
-            <a:endParaRPr lang="de-DE" sz="1000" dirty="0" smtClean="0"/>
           </a:p>
         </p:txBody>
       </p:sp>
@@ -3127,11 +3425,6 @@
               </a:rPr>
               <a:t>Fakultät für Informatik</a:t>
             </a:r>
-            <a:endParaRPr lang="de-DE" sz="1000" dirty="0" smtClean="0">
-              <a:solidFill>
-                <a:schemeClr val="bg1"/>
-              </a:solidFill>
-            </a:endParaRPr>
           </a:p>
         </p:txBody>
       </p:sp>
@@ -3613,7 +3906,7 @@
           <a:p>
             <a:fld id="{C23D8F8D-8E3A-4EFC-ABF0-46497FD4F9CF}" type="datetimeFigureOut">
               <a:rPr lang="de-AT" smtClean="0"/>
-              <a:t>11.12.2014</a:t>
+              <a:t>12.12.2014</a:t>
             </a:fld>
             <a:endParaRPr lang="de-AT"/>
           </a:p>
@@ -6271,8 +6564,13 @@
             <a:pPr lvl="1"/>
             <a:r>
               <a:rPr lang="de-AT" dirty="0" smtClean="0"/>
-              <a:t>Wichtig, um das Verhalten bei Änderungen zu analysieren. </a:t>
-            </a:r>
+              <a:t>Wichtig, um das Verhalten bei Änderungen zu </a:t>
+            </a:r>
+            <a:r>
+              <a:rPr lang="de-AT" dirty="0" smtClean="0"/>
+              <a:t>analysieren</a:t>
+            </a:r>
+            <a:endParaRPr lang="de-AT" dirty="0" smtClean="0"/>
           </a:p>
         </p:txBody>
       </p:sp>
@@ -7680,13 +7978,8 @@
             </a:pPr>
             <a:r>
               <a:rPr lang="de-AT" dirty="0" smtClean="0"/>
-              <a:t>Implementiere </a:t>
-            </a:r>
-            <a:r>
-              <a:rPr lang="de-AT" dirty="0" smtClean="0"/>
-              <a:t>Ablaufdistanz</a:t>
-            </a:r>
-            <a:endParaRPr lang="de-AT" dirty="0" smtClean="0"/>
+              <a:t>Implementiere Ablaufdistanz</a:t>
+            </a:r>
           </a:p>
           <a:p>
             <a:pPr marL="514350" indent="-514350">
@@ -7793,7 +8086,11 @@
             </a:r>
             <a:r>
               <a:rPr lang="de-AT" dirty="0" smtClean="0"/>
-              <a:t>Selbstregelnde Berechnungen</a:t>
+              <a:t>selbstregelnde </a:t>
+            </a:r>
+            <a:r>
+              <a:rPr lang="de-AT" dirty="0" smtClean="0"/>
+              <a:t>Berechnungen</a:t>
             </a:r>
             <a:endParaRPr lang="de-AT" dirty="0"/>
           </a:p>
@@ -7911,17 +8208,8 @@
           <a:p>
             <a:r>
               <a:rPr lang="de-AT" dirty="0" smtClean="0"/>
-              <a:t>Addiert </a:t>
-            </a:r>
-            <a:r>
-              <a:rPr lang="de-AT" dirty="0" smtClean="0"/>
-              <a:t>den Inhalt zweier </a:t>
-            </a:r>
-            <a:r>
-              <a:rPr lang="de-AT" dirty="0" smtClean="0"/>
-              <a:t>Variablen</a:t>
-            </a:r>
-            <a:endParaRPr lang="de-AT" dirty="0" smtClean="0"/>
+              <a:t>Addiert den Inhalt zweier Variablen</a:t>
+            </a:r>
           </a:p>
           <a:p>
             <a:endParaRPr lang="de-AT" dirty="0"/>
@@ -8262,11 +8550,7 @@
             <a:pPr lvl="1"/>
             <a:r>
               <a:rPr lang="de-AT" dirty="0" smtClean="0"/>
-              <a:t>Zustand gespeichert in </a:t>
-            </a:r>
-            <a:r>
-              <a:rPr lang="de-AT" dirty="0" smtClean="0"/>
-              <a:t>Knoteneigenschaften</a:t>
+              <a:t>Zustand gespeichert in Knoteneigenschaften</a:t>
             </a:r>
             <a:endParaRPr lang="de-AT" dirty="0"/>
           </a:p>
@@ -8614,7 +8898,6 @@
               <a:rPr lang="de-AT" sz="2400" dirty="0" smtClean="0"/>
               <a:t>Ablaufdistanz zählt alle zu aktualisierenden Knoten</a:t>
             </a:r>
-            <a:endParaRPr lang="de-AT" sz="2400" dirty="0" smtClean="0"/>
           </a:p>
           <a:p>
             <a:pPr lvl="1"/>
@@ -8650,11 +8933,7 @@
             <a:pPr lvl="2"/>
             <a:r>
               <a:rPr lang="de-AT" dirty="0" smtClean="0"/>
-              <a:t>Zähle Knoten, die nicht entfernt </a:t>
-            </a:r>
-            <a:r>
-              <a:rPr lang="de-AT" dirty="0" smtClean="0"/>
-              <a:t>wurden</a:t>
+              <a:t>Zähle Knoten, die nicht entfernt wurden</a:t>
             </a:r>
           </a:p>
           <a:p>
@@ -8684,22 +8963,14 @@
           <a:p>
             <a:r>
               <a:rPr lang="de-AT" sz="2400" dirty="0" smtClean="0"/>
-              <a:t>Interessante Frage: </a:t>
-            </a:r>
-            <a:r>
-              <a:rPr lang="de-AT" sz="2400" dirty="0" smtClean="0"/>
-              <a:t>Wann sind Knoten gleich?</a:t>
+              <a:t>Interessante Frage: Wann sind Knoten gleich?</a:t>
             </a:r>
           </a:p>
           <a:p>
             <a:pPr lvl="1"/>
             <a:r>
               <a:rPr lang="de-AT" dirty="0" smtClean="0"/>
-              <a:t>Drei </a:t>
-            </a:r>
-            <a:r>
-              <a:rPr lang="de-AT" dirty="0" smtClean="0"/>
-              <a:t>Ansätze</a:t>
+              <a:t>Drei Ansätze</a:t>
             </a:r>
             <a:endParaRPr lang="de-AT" dirty="0"/>
           </a:p>
@@ -8796,24 +9067,15 @@
           <a:p>
             <a:r>
               <a:rPr lang="de-AT" dirty="0" smtClean="0"/>
-              <a:t>Zählt </a:t>
-            </a:r>
+              <a:t>Zählt alle Knoten, die von TBD während der Ausführung ersetzt oder entfernt werden </a:t>
+            </a:r>
+          </a:p>
+          <a:p>
+            <a:pPr lvl="1"/>
             <a:r>
               <a:rPr lang="de-AT" dirty="0" smtClean="0"/>
-              <a:t>alle Knoten, die von TBD während der Ausführung ersetzt oder entfernt werden </a:t>
-            </a:r>
-          </a:p>
-          <a:p>
-            <a:pPr lvl="1"/>
-            <a:r>
-              <a:rPr lang="de-AT" dirty="0" smtClean="0"/>
-              <a:t>Zwei Knoten gleich wenn Knoten-ID </a:t>
-            </a:r>
-            <a:r>
-              <a:rPr lang="de-AT" dirty="0" smtClean="0"/>
-              <a:t>gleich</a:t>
-            </a:r>
-            <a:endParaRPr lang="de-AT" dirty="0" smtClean="0"/>
+              <a:t>Zwei Knoten gleich wenn Knoten-ID gleich</a:t>
+            </a:r>
           </a:p>
         </p:txBody>
       </p:sp>
@@ -8863,7 +9125,7 @@
           <p:nvPr/>
         </p:nvPicPr>
         <p:blipFill>
-          <a:blip r:embed="rId2">
+          <a:blip r:embed="rId3">
             <a:extLst>
               <a:ext uri="{28A0092B-C50C-407E-A947-70E740481C1C}">
                 <a14:useLocalDpi xmlns:a14="http://schemas.microsoft.com/office/drawing/2010/main" val="0"/>
@@ -8927,7 +9189,6 @@
               <a:rPr lang="de-AT" dirty="0"/>
               <a:t>Reine Ablaufdistanz</a:t>
             </a:r>
-            <a:endParaRPr lang="de-AT" dirty="0"/>
           </a:p>
         </p:txBody>
       </p:sp>
@@ -8950,7 +9211,6 @@
               <a:rPr lang="de-AT" dirty="0" smtClean="0"/>
               <a:t>Beispiel</a:t>
             </a:r>
-            <a:endParaRPr lang="de-AT" dirty="0" smtClean="0"/>
           </a:p>
         </p:txBody>
       </p:sp>
@@ -9089,16 +9349,11 @@
               <a:rPr lang="de-AT" sz="1400" dirty="0" smtClean="0"/>
               <a:t>Schreiben:</a:t>
             </a:r>
-            <a:endParaRPr lang="de-AT" sz="1400" dirty="0" smtClean="0"/>
           </a:p>
           <a:p>
             <a:r>
               <a:rPr lang="de-AT" sz="1400" dirty="0" smtClean="0"/>
-              <a:t>Entfernt</a:t>
-            </a:r>
-            <a:r>
-              <a:rPr lang="de-AT" sz="1400" dirty="0" smtClean="0"/>
-              <a:t>:</a:t>
+              <a:t>Entfernt:</a:t>
             </a:r>
             <a:br>
               <a:rPr lang="de-AT" sz="1400" dirty="0" smtClean="0"/>
@@ -9405,7 +9660,6 @@
               <a:rPr lang="de-AT" dirty="0"/>
               <a:t>Ablaufdistanz</a:t>
             </a:r>
-            <a:endParaRPr lang="de-AT" dirty="0"/>
           </a:p>
         </p:txBody>
       </p:sp>
@@ -9426,7 +9680,15 @@
           <a:p>
             <a:r>
               <a:rPr lang="de-AT" dirty="0" smtClean="0"/>
-              <a:t>Zählt alle Knoten, die wirklich neu ausgeführt werden wenn Speicher optimal </a:t>
+              <a:t>Zählt alle Knoten, die wirklich neu ausgeführt werden </a:t>
+            </a:r>
+            <a:r>
+              <a:rPr lang="de-AT" dirty="0" smtClean="0"/>
+              <a:t>müssen, wenn </a:t>
+            </a:r>
+            <a:r>
+              <a:rPr lang="de-AT" dirty="0" smtClean="0"/>
+              <a:t>Speicher optimal </a:t>
             </a:r>
             <a:r>
               <a:rPr lang="de-AT" dirty="0" err="1" smtClean="0"/>
@@ -9434,14 +9696,27 @@
             </a:r>
             <a:r>
               <a:rPr lang="de-AT" dirty="0" smtClean="0"/>
-              <a:t> wird. </a:t>
-            </a:r>
+              <a:t> </a:t>
+            </a:r>
+            <a:r>
+              <a:rPr lang="de-AT" dirty="0" smtClean="0"/>
+              <a:t>wird</a:t>
+            </a:r>
+            <a:endParaRPr lang="de-AT" dirty="0" smtClean="0"/>
           </a:p>
           <a:p>
             <a:pPr lvl="1"/>
             <a:r>
               <a:rPr lang="de-AT" dirty="0" smtClean="0"/>
-              <a:t>Zwei Knoten gleich wenn alle Eigenschaften außer ID und Referenzen auf Speicher gleich.  </a:t>
+              <a:t>Zwei Knoten gleich wenn alle Eigenschaften außer ID und Referenzen auf Speicher </a:t>
+            </a:r>
+            <a:r>
+              <a:rPr lang="de-AT" dirty="0" smtClean="0"/>
+              <a:t>gleich</a:t>
+            </a:r>
+            <a:r>
+              <a:rPr lang="de-AT" dirty="0" smtClean="0"/>
+              <a:t/>
             </a:r>
             <a:br>
               <a:rPr lang="de-AT" dirty="0" smtClean="0"/>
@@ -9451,7 +9726,11 @@
           <a:p>
             <a:r>
               <a:rPr lang="de-AT" dirty="0" smtClean="0"/>
-              <a:t>Berechnet, wie sich ein naives Programm verhalten würde, wenn Zwischenspeicherung eigesetzt und Speicher optimal wiederverwendet wird. </a:t>
+              <a:t>Berechnet, wie sich ein naives Programm verhalten würde, wenn Zwischenspeicherung eigesetzt und Speicher optimal wiederverwendet </a:t>
+            </a:r>
+            <a:r>
+              <a:rPr lang="de-AT" dirty="0" smtClean="0"/>
+              <a:t>wird</a:t>
             </a:r>
             <a:endParaRPr lang="de-AT" dirty="0" smtClean="0"/>
           </a:p>
@@ -9567,7 +9846,6 @@
               <a:rPr lang="de-AT" dirty="0"/>
               <a:t>Adressunabhängige Ablaufdistanz</a:t>
             </a:r>
-            <a:endParaRPr lang="de-AT" dirty="0"/>
           </a:p>
         </p:txBody>
       </p:sp>
@@ -9590,7 +9868,6 @@
               <a:rPr lang="de-AT" dirty="0" smtClean="0"/>
               <a:t>Beispiel</a:t>
             </a:r>
-            <a:endParaRPr lang="de-AT" dirty="0" smtClean="0"/>
           </a:p>
         </p:txBody>
       </p:sp>
@@ -10069,11 +10346,7 @@
             <a:pPr lvl="1"/>
             <a:r>
               <a:rPr lang="de-AT" dirty="0" smtClean="0"/>
-              <a:t>Jeweils naive und inkrementelle </a:t>
-            </a:r>
-            <a:r>
-              <a:rPr lang="de-AT" dirty="0" smtClean="0"/>
-              <a:t>Implementierung</a:t>
+              <a:t>Jeweils naive und inkrementelle Implementierung</a:t>
             </a:r>
           </a:p>
           <a:p>
@@ -10083,11 +10356,7 @@
           <a:p>
             <a:r>
               <a:rPr lang="de-AT" dirty="0" smtClean="0"/>
-              <a:t>Berechne </a:t>
-            </a:r>
-            <a:r>
-              <a:rPr lang="de-AT" dirty="0" smtClean="0"/>
-              <a:t>reine </a:t>
+              <a:t>Berechne reine </a:t>
             </a:r>
             <a:r>
               <a:rPr lang="de-AT" dirty="0"/>
@@ -10097,33 +10366,12 @@
               <a:rPr lang="de-AT" dirty="0" smtClean="0"/>
               <a:t>adressunabhängige Ablaufdistanz</a:t>
             </a:r>
-            <a:endParaRPr lang="de-AT" dirty="0" smtClean="0"/>
           </a:p>
           <a:p>
             <a:pPr lvl="1"/>
             <a:r>
               <a:rPr lang="de-AT" dirty="0" smtClean="0"/>
-              <a:t>Zeige dass </a:t>
-            </a:r>
-            <a:r>
-              <a:rPr lang="de-AT" dirty="0" smtClean="0"/>
-              <a:t>reine Ablaufdistanz für </a:t>
-            </a:r>
-            <a:r>
-              <a:rPr lang="de-AT" dirty="0" smtClean="0"/>
-              <a:t>naive Version gleich </a:t>
-            </a:r>
-            <a:r>
-              <a:rPr lang="de-AT" dirty="0" smtClean="0"/>
-              <a:t>adressunabhängige Ablaufdistanz </a:t>
-            </a:r>
-            <a:r>
-              <a:rPr lang="de-AT" dirty="0" smtClean="0"/>
-              <a:t>für inkrementelle </a:t>
-            </a:r>
-            <a:r>
-              <a:rPr lang="de-AT" dirty="0" smtClean="0"/>
-              <a:t>Version</a:t>
+              <a:t>Zeige dass reine Ablaufdistanz für naive Version gleich adressunabhängige Ablaufdistanz für inkrementelle Version</a:t>
             </a:r>
           </a:p>
           <a:p>
@@ -10145,7 +10393,6 @@
               <a:rPr lang="de-AT" dirty="0" smtClean="0"/>
               <a:t>Mittelwert aus fünf Ausführungen</a:t>
             </a:r>
-            <a:endParaRPr lang="de-AT" dirty="0" smtClean="0"/>
           </a:p>
         </p:txBody>
       </p:sp>
@@ -10209,8 +10456,8 @@
           </a:p>
         </p:txBody>
       </p:sp>
-      <mc:AlternateContent xmlns:mc="http://schemas.openxmlformats.org/markup-compatibility/2006">
-        <mc:Choice xmlns:a14="http://schemas.microsoft.com/office/drawing/2010/main" Requires="a14">
+      <mc:AlternateContent xmlns:mc="http://schemas.openxmlformats.org/markup-compatibility/2006" xmlns:a14="http://schemas.microsoft.com/office/drawing/2010/main">
+        <mc:Choice Requires="a14">
           <p:sp>
             <p:nvSpPr>
               <p:cNvPr id="3" name="Inhaltsplatzhalter 2"/>
@@ -10243,11 +10490,7 @@
                 </a:r>
                 <a:r>
                   <a:rPr lang="de-AT" dirty="0" smtClean="0"/>
-                  <a:t>-Funktion auf </a:t>
-                </a:r>
-                <a:r>
-                  <a:rPr lang="de-AT" dirty="0" smtClean="0"/>
-                  <a:t>verlinkter Liste</a:t>
+                  <a:t>-Funktion auf verlinkter Liste</a:t>
                 </a:r>
               </a:p>
               <a:p>
@@ -10338,7 +10581,7 @@
             </p:txBody>
           </p:sp>
         </mc:Choice>
-        <mc:Fallback>
+        <mc:Fallback xmlns="">
           <p:sp>
             <p:nvSpPr>
               <p:cNvPr id="3" name="Inhaltsplatzhalter 2"/>
@@ -10500,8 +10743,8 @@
           </a:extLst>
         </p:spPr>
       </p:pic>
-      <mc:AlternateContent xmlns:mc="http://schemas.openxmlformats.org/markup-compatibility/2006">
-        <mc:Choice xmlns:a14="http://schemas.microsoft.com/office/drawing/2010/main" Requires="a14">
+      <mc:AlternateContent xmlns:mc="http://schemas.openxmlformats.org/markup-compatibility/2006" xmlns:a14="http://schemas.microsoft.com/office/drawing/2010/main">
+        <mc:Choice Requires="a14">
           <p:sp>
             <p:nvSpPr>
               <p:cNvPr id="4" name="Textfeld 3"/>
@@ -10600,7 +10843,7 @@
             </p:txBody>
           </p:sp>
         </mc:Choice>
-        <mc:Fallback>
+        <mc:Fallback xmlns="">
           <p:sp>
             <p:nvSpPr>
               <p:cNvPr id="4" name="Textfeld 3"/>
@@ -10710,7 +10953,6 @@
               <a:rPr lang="de-AT" sz="2400" dirty="0"/>
               <a:t> – Adressunabhängige Ablaufdistanz</a:t>
             </a:r>
-            <a:endParaRPr lang="de-AT" sz="2400" dirty="0"/>
           </a:p>
         </p:txBody>
       </p:sp>
@@ -10768,8 +11010,8 @@
           </a:extLst>
         </p:spPr>
       </p:pic>
-      <mc:AlternateContent xmlns:mc="http://schemas.openxmlformats.org/markup-compatibility/2006">
-        <mc:Choice xmlns:a14="http://schemas.microsoft.com/office/drawing/2010/main" Requires="a14">
+      <mc:AlternateContent xmlns:mc="http://schemas.openxmlformats.org/markup-compatibility/2006" xmlns:a14="http://schemas.microsoft.com/office/drawing/2010/main">
+        <mc:Choice Requires="a14">
           <p:sp>
             <p:nvSpPr>
               <p:cNvPr id="5" name="Textfeld 4"/>
@@ -10868,7 +11110,7 @@
             </p:txBody>
           </p:sp>
         </mc:Choice>
-        <mc:Fallback>
+        <mc:Fallback xmlns="">
           <p:sp>
             <p:nvSpPr>
               <p:cNvPr id="5" name="Textfeld 4"/>
@@ -11035,8 +11277,8 @@
           </a:extLst>
         </p:spPr>
       </p:pic>
-      <mc:AlternateContent xmlns:mc="http://schemas.openxmlformats.org/markup-compatibility/2006">
-        <mc:Choice xmlns:a14="http://schemas.microsoft.com/office/drawing/2010/main" Requires="a14">
+      <mc:AlternateContent xmlns:mc="http://schemas.openxmlformats.org/markup-compatibility/2006" xmlns:a14="http://schemas.microsoft.com/office/drawing/2010/main">
+        <mc:Choice Requires="a14">
           <p:sp>
             <p:nvSpPr>
               <p:cNvPr id="5" name="Textfeld 4"/>
@@ -11135,7 +11377,7 @@
             </p:txBody>
           </p:sp>
         </mc:Choice>
-        <mc:Fallback>
+        <mc:Fallback xmlns="">
           <p:sp>
             <p:nvSpPr>
               <p:cNvPr id="5" name="Textfeld 4"/>
@@ -11562,8 +11804,8 @@
           </a:extLst>
         </p:spPr>
       </p:pic>
-      <mc:AlternateContent xmlns:mc="http://schemas.openxmlformats.org/markup-compatibility/2006">
-        <mc:Choice xmlns:a14="http://schemas.microsoft.com/office/drawing/2010/main" Requires="a14">
+      <mc:AlternateContent xmlns:mc="http://schemas.openxmlformats.org/markup-compatibility/2006" xmlns:a14="http://schemas.microsoft.com/office/drawing/2010/main">
+        <mc:Choice Requires="a14">
           <p:sp>
             <p:nvSpPr>
               <p:cNvPr id="5" name="Textfeld 4"/>
@@ -11662,7 +11904,7 @@
             </p:txBody>
           </p:sp>
         </mc:Choice>
-        <mc:Fallback>
+        <mc:Fallback xmlns="">
           <p:sp>
             <p:nvSpPr>
               <p:cNvPr id="5" name="Textfeld 4"/>
@@ -11834,8 +12076,8 @@
           </a:extLst>
         </p:spPr>
       </p:pic>
-      <mc:AlternateContent xmlns:mc="http://schemas.openxmlformats.org/markup-compatibility/2006">
-        <mc:Choice xmlns:a14="http://schemas.microsoft.com/office/drawing/2010/main" Requires="a14">
+      <mc:AlternateContent xmlns:mc="http://schemas.openxmlformats.org/markup-compatibility/2006" xmlns:a14="http://schemas.microsoft.com/office/drawing/2010/main">
+        <mc:Choice Requires="a14">
           <p:sp>
             <p:nvSpPr>
               <p:cNvPr id="5" name="Textfeld 4"/>
@@ -11934,7 +12176,7 @@
             </p:txBody>
           </p:sp>
         </mc:Choice>
-        <mc:Fallback>
+        <mc:Fallback xmlns="">
           <p:sp>
             <p:nvSpPr>
               <p:cNvPr id="5" name="Textfeld 4"/>
@@ -12106,8 +12348,8 @@
           </a:extLst>
         </p:spPr>
       </p:pic>
-      <mc:AlternateContent xmlns:mc="http://schemas.openxmlformats.org/markup-compatibility/2006">
-        <mc:Choice xmlns:a14="http://schemas.microsoft.com/office/drawing/2010/main" Requires="a14">
+      <mc:AlternateContent xmlns:mc="http://schemas.openxmlformats.org/markup-compatibility/2006" xmlns:a14="http://schemas.microsoft.com/office/drawing/2010/main">
+        <mc:Choice Requires="a14">
           <p:sp>
             <p:nvSpPr>
               <p:cNvPr id="5" name="Textfeld 4"/>
@@ -12206,7 +12448,7 @@
             </p:txBody>
           </p:sp>
         </mc:Choice>
-        <mc:Fallback>
+        <mc:Fallback xmlns="">
           <p:sp>
             <p:nvSpPr>
               <p:cNvPr id="5" name="Textfeld 4"/>
@@ -12301,7 +12543,6 @@
               <a:rPr lang="de-AT" dirty="0"/>
               <a:t>Fazit</a:t>
             </a:r>
-            <a:endParaRPr lang="de-AT" dirty="0"/>
           </a:p>
         </p:txBody>
       </p:sp>
@@ -12338,11 +12579,7 @@
             </a:pPr>
             <a:r>
               <a:rPr lang="de-AT" dirty="0" smtClean="0"/>
-              <a:t>Adressunabhängige Ablaufdistanz kann </a:t>
-            </a:r>
-            <a:r>
-              <a:rPr lang="de-AT" dirty="0" smtClean="0"/>
-              <a:t>das Verhalten von inkrementellen Algorithmen vorhersagen. </a:t>
+              <a:t>Adressunabhängige Ablaufdistanz kann das Verhalten von inkrementellen Algorithmen vorhersagen. </a:t>
             </a:r>
           </a:p>
         </p:txBody>
@@ -12403,7 +12640,6 @@
               <a:rPr lang="de-AT" dirty="0"/>
               <a:t>Inkrementelle Berechnungen</a:t>
             </a:r>
-            <a:endParaRPr lang="de-AT" dirty="0"/>
           </a:p>
         </p:txBody>
       </p:sp>
@@ -13927,11 +14163,7 @@
           <a:p>
             <a:r>
               <a:rPr lang="de-AT" dirty="0" smtClean="0"/>
-              <a:t>Ablaufdistanz und </a:t>
-            </a:r>
-            <a:r>
-              <a:rPr lang="de-AT" dirty="0" smtClean="0"/>
-              <a:t>DDGs liefern viel Information</a:t>
+              <a:t>Ablaufdistanz und DDGs liefern viel Information</a:t>
             </a:r>
           </a:p>
           <a:p>
@@ -13948,11 +14180,7 @@
           <a:p>
             <a:r>
               <a:rPr lang="de-AT" dirty="0" smtClean="0"/>
-              <a:t>Tiefgehende </a:t>
-            </a:r>
-            <a:r>
-              <a:rPr lang="de-AT" dirty="0" smtClean="0"/>
-              <a:t>Analyse von Algorithmen</a:t>
+              <a:t>Tiefgehende Analyse von Algorithmen</a:t>
             </a:r>
           </a:p>
           <a:p>
@@ -14709,7 +14937,6 @@
               <a:rPr lang="de-AT" sz="1200" dirty="0"/>
               <a:t>. 3</a:t>
             </a:r>
-            <a:endParaRPr lang="de-AT" sz="1200" dirty="0"/>
           </a:p>
         </p:txBody>
       </p:sp>
@@ -14798,11 +15025,7 @@
           <a:p>
             <a:r>
               <a:rPr lang="de-AT" dirty="0" smtClean="0"/>
-              <a:t>Zählt </a:t>
-            </a:r>
-            <a:r>
-              <a:rPr lang="de-AT" dirty="0" smtClean="0"/>
-              <a:t>alle Knoten, die von TBD während der Ausführung wirklich neu ausgeführt werden müssten. </a:t>
+              <a:t>Zählt alle Knoten, die von TBD während der Ausführung wirklich neu ausgeführt werden müssten. </a:t>
             </a:r>
           </a:p>
           <a:p>
@@ -14966,7 +15189,6 @@
               <a:rPr lang="de-AT" dirty="0" smtClean="0"/>
               <a:t>Beispiel</a:t>
             </a:r>
-            <a:endParaRPr lang="de-AT" dirty="0" smtClean="0"/>
           </a:p>
         </p:txBody>
       </p:sp>
@@ -15105,16 +15327,11 @@
               <a:rPr lang="de-AT" sz="1400" dirty="0" smtClean="0"/>
               <a:t>Schreiben:</a:t>
             </a:r>
-            <a:endParaRPr lang="de-AT" sz="1400" dirty="0" smtClean="0"/>
           </a:p>
           <a:p>
             <a:r>
               <a:rPr lang="de-AT" sz="1400" dirty="0" smtClean="0"/>
-              <a:t>Entfernt</a:t>
-            </a:r>
-            <a:r>
-              <a:rPr lang="de-AT" sz="1400" dirty="0" smtClean="0"/>
-              <a:t>:</a:t>
+              <a:t>Entfernt:</a:t>
             </a:r>
             <a:br>
               <a:rPr lang="de-AT" sz="1400" dirty="0" smtClean="0"/>
@@ -15901,7 +16118,6 @@
               <a:rPr lang="de-AT" dirty="0"/>
               <a:t>Inkrementelle Berechnungen</a:t>
             </a:r>
-            <a:endParaRPr lang="de-AT" dirty="0"/>
           </a:p>
         </p:txBody>
       </p:sp>
@@ -16036,7 +16252,6 @@
               <a:rPr lang="de-AT" dirty="0"/>
               <a:t>Inkrementelle Berechnungen</a:t>
             </a:r>
-            <a:endParaRPr lang="de-AT" dirty="0"/>
           </a:p>
         </p:txBody>
       </p:sp>
@@ -16139,13 +16354,7 @@
               <a:rPr lang="de-AT" sz="3600" dirty="0" smtClean="0">
                 <a:sym typeface="Wingdings" panose="05000000000000000000" pitchFamily="2" charset="2"/>
               </a:rPr>
-              <a:t> </a:t>
-            </a:r>
-            <a:r>
-              <a:rPr lang="de-AT" sz="3600" dirty="0" smtClean="0">
-                <a:sym typeface="Wingdings" panose="05000000000000000000" pitchFamily="2" charset="2"/>
-              </a:rPr>
-              <a:t>Selbstregelnde Berechnungen</a:t>
+              <a:t> Selbstregelnde Berechnungen</a:t>
             </a:r>
             <a:endParaRPr lang="de-AT" sz="3600" dirty="0"/>
           </a:p>
@@ -18854,12 +19063,13 @@
             </a:r>
             <a:r>
               <a:rPr lang="de-AT" dirty="0" smtClean="0"/>
-              <a:t> </a:t>
+              <a:t> Speicher, der einem Funktionsaufruf mitgegeben </a:t>
             </a:r>
             <a:r>
               <a:rPr lang="de-AT" dirty="0" smtClean="0"/>
-              <a:t>Speicher, der einem Funktionsaufruf mitgegeben wird. </a:t>
-            </a:r>
+              <a:t>wird</a:t>
+            </a:r>
+            <a:endParaRPr lang="de-AT" dirty="0" smtClean="0"/>
           </a:p>
           <a:p>
             <a:pPr lvl="1"/>
